--- a/presentations/Sentinel-AI.pptx
+++ b/presentations/Sentinel-AI.pptx
@@ -1,6 +1,6 @@
 
 <file path=ppt/presentation.xml><?xml version="1.0" encoding="utf-8"?>
-<p:presentation xmlns:a="http://schemas.openxmlformats.org/drawingml/2006/main" xmlns:r="http://schemas.openxmlformats.org/officeDocument/2006/relationships" xmlns:mc="http://schemas.openxmlformats.org/markup-compatibility/2006" xmlns:mv="urn:schemas-microsoft-com:mac:vml" xmlns:p="http://schemas.openxmlformats.org/presentationml/2006/main" xmlns:c="http://schemas.openxmlformats.org/drawingml/2006/chart" xmlns:dgm="http://schemas.openxmlformats.org/drawingml/2006/diagram" xmlns:o="urn:schemas-microsoft-com:office:office" xmlns:v="urn:schemas-microsoft-com:vml" xmlns:pvml="urn:schemas-microsoft-com:office:powerpoint" xmlns:com="http://schemas.openxmlformats.org/drawingml/2006/compatibility" xmlns:p14="http://schemas.microsoft.com/office/powerpoint/2010/main" xmlns:p15="http://schemas.microsoft.com/office/powerpoint/2012/main" xmlns:ahyp="http://schemas.microsoft.com/office/drawing/2018/hyperlinkcolor" autoCompressPictures="0" strictFirstAndLastChars="0" saveSubsetFonts="1">
+<p:presentation xmlns:a="http://schemas.openxmlformats.org/drawingml/2006/main" xmlns:r="http://schemas.openxmlformats.org/officeDocument/2006/relationships" xmlns:mc="http://schemas.openxmlformats.org/markup-compatibility/2006" xmlns:mv="urn:schemas-microsoft-com:mac:vml" xmlns:p="http://schemas.openxmlformats.org/presentationml/2006/main" xmlns:c="http://schemas.openxmlformats.org/drawingml/2006/chart" xmlns:dgm="http://schemas.openxmlformats.org/drawingml/2006/diagram" xmlns:o="urn:schemas-microsoft-com:office:office" xmlns:v="urn:schemas-microsoft-com:vml" xmlns:pvml="urn:schemas-microsoft-com:office:powerpoint" xmlns:com="http://schemas.openxmlformats.org/drawingml/2006/compatibility" xmlns:p14="http://schemas.microsoft.com/office/powerpoint/2010/main" xmlns:p15="http://schemas.microsoft.com/office/powerpoint/2012/main" xmlns:ahyp="http://schemas.microsoft.com/office/drawing/2018/hyperlinkcolor" autoCompressPictures="0" embedTrueTypeFonts="1" strictFirstAndLastChars="0" saveSubsetFonts="1">
   <p:sldMasterIdLst>
     <p:sldMasterId id="2147483659" r:id="rId5"/>
   </p:sldMasterIdLst>
@@ -17,6 +17,13 @@
   </p:sldIdLst>
   <p:sldSz cy="5143500" cx="9144000"/>
   <p:notesSz cx="6858000" cy="9144000"/>
+  <p:embeddedFontLst>
+    <p:embeddedFont>
+      <p:font typeface="Antonio"/>
+      <p:regular r:id="rId13"/>
+      <p:bold r:id="rId14"/>
+    </p:embeddedFont>
+  </p:embeddedFontLst>
   <p:defaultTextStyle>
     <a:defPPr lvl="0" marR="0" rtl="0" algn="l">
       <a:lnSpc>
@@ -993,7 +1000,7 @@
   <p:cSld>
     <p:spTree>
       <p:nvGrpSpPr>
-        <p:cNvPr id="80" name="Shape 80"/>
+        <p:cNvPr id="84" name="Shape 84"/>
         <p:cNvGrpSpPr/>
         <p:nvPr/>
       </p:nvGrpSpPr>
@@ -1007,7 +1014,7 @@
       </p:grpSpPr>
       <p:sp>
         <p:nvSpPr>
-          <p:cNvPr id="81" name="Google Shape;81;g3a0cee16521_0_11:notes"/>
+          <p:cNvPr id="85" name="Google Shape;85;g3a0cee16521_0_11:notes"/>
           <p:cNvSpPr/>
           <p:nvPr>
             <p:ph idx="2" type="sldImg"/>
@@ -1042,7 +1049,7 @@
       </p:sp>
       <p:sp>
         <p:nvSpPr>
-          <p:cNvPr id="82" name="Google Shape;82;g3a0cee16521_0_11:notes"/>
+          <p:cNvPr id="86" name="Google Shape;86;g3a0cee16521_0_11:notes"/>
           <p:cNvSpPr txBox="1"/>
           <p:nvPr>
             <p:ph idx="1" type="body"/>
@@ -1092,7 +1099,7 @@
   <p:cSld>
     <p:spTree>
       <p:nvGrpSpPr>
-        <p:cNvPr id="88" name="Shape 88"/>
+        <p:cNvPr id="92" name="Shape 92"/>
         <p:cNvGrpSpPr/>
         <p:nvPr/>
       </p:nvGrpSpPr>
@@ -1106,7 +1113,7 @@
       </p:grpSpPr>
       <p:sp>
         <p:nvSpPr>
-          <p:cNvPr id="89" name="Google Shape;89;g3a0f3f3cbfd_0_3:notes"/>
+          <p:cNvPr id="93" name="Google Shape;93;g3a0f3f3cbfd_0_3:notes"/>
           <p:cNvSpPr/>
           <p:nvPr>
             <p:ph idx="2" type="sldImg"/>
@@ -1141,7 +1148,7 @@
       </p:sp>
       <p:sp>
         <p:nvSpPr>
-          <p:cNvPr id="90" name="Google Shape;90;g3a0f3f3cbfd_0_3:notes"/>
+          <p:cNvPr id="94" name="Google Shape;94;g3a0f3f3cbfd_0_3:notes"/>
           <p:cNvSpPr txBox="1"/>
           <p:nvPr>
             <p:ph idx="1" type="body"/>
@@ -1191,7 +1198,7 @@
   <p:cSld>
     <p:spTree>
       <p:nvGrpSpPr>
-        <p:cNvPr id="95" name="Shape 95"/>
+        <p:cNvPr id="99" name="Shape 99"/>
         <p:cNvGrpSpPr/>
         <p:nvPr/>
       </p:nvGrpSpPr>
@@ -1205,7 +1212,7 @@
       </p:grpSpPr>
       <p:sp>
         <p:nvSpPr>
-          <p:cNvPr id="96" name="Google Shape;96;g3a0cee16521_0_16:notes"/>
+          <p:cNvPr id="100" name="Google Shape;100;g3a0cee16521_0_16:notes"/>
           <p:cNvSpPr/>
           <p:nvPr>
             <p:ph idx="2" type="sldImg"/>
@@ -1240,7 +1247,7 @@
       </p:sp>
       <p:sp>
         <p:nvSpPr>
-          <p:cNvPr id="97" name="Google Shape;97;g3a0cee16521_0_16:notes"/>
+          <p:cNvPr id="101" name="Google Shape;101;g3a0cee16521_0_16:notes"/>
           <p:cNvSpPr txBox="1"/>
           <p:nvPr>
             <p:ph idx="1" type="body"/>
@@ -5993,6 +6000,10 @@
                 <a:solidFill>
                   <a:schemeClr val="lt1"/>
                 </a:solidFill>
+                <a:latin typeface="Antonio"/>
+                <a:ea typeface="Antonio"/>
+                <a:cs typeface="Antonio"/>
+                <a:sym typeface="Antonio"/>
               </a:rPr>
               <a:t>Sentinel-AI</a:t>
             </a:r>
@@ -6000,6 +6011,10 @@
               <a:solidFill>
                 <a:schemeClr val="lt1"/>
               </a:solidFill>
+              <a:latin typeface="Antonio"/>
+              <a:ea typeface="Antonio"/>
+              <a:cs typeface="Antonio"/>
+              <a:sym typeface="Antonio"/>
             </a:endParaRPr>
           </a:p>
         </p:txBody>
@@ -6092,14 +6107,14 @@
               <a:buNone/>
             </a:pPr>
             <a:r>
-              <a:rPr lang="en" sz="1800">
+              <a:rPr lang="en">
                 <a:solidFill>
                   <a:schemeClr val="lt1"/>
                 </a:solidFill>
               </a:rPr>
               <a:t>Presenters :</a:t>
             </a:r>
-            <a:endParaRPr sz="1800">
+            <a:endParaRPr>
               <a:solidFill>
                 <a:schemeClr val="lt1"/>
               </a:solidFill>
@@ -6116,14 +6131,14 @@
               <a:buNone/>
             </a:pPr>
             <a:r>
-              <a:rPr lang="en" sz="1800">
+              <a:rPr lang="en">
                 <a:solidFill>
                   <a:schemeClr val="lt1"/>
                 </a:solidFill>
               </a:rPr>
               <a:t>Md Nasim Afroj Taj</a:t>
             </a:r>
-            <a:endParaRPr sz="1800">
+            <a:endParaRPr>
               <a:solidFill>
                 <a:schemeClr val="lt1"/>
               </a:solidFill>
@@ -6140,14 +6155,14 @@
               <a:buNone/>
             </a:pPr>
             <a:r>
-              <a:rPr lang="en" sz="1800">
+              <a:rPr lang="en">
                 <a:solidFill>
                   <a:schemeClr val="lt1"/>
                 </a:solidFill>
               </a:rPr>
               <a:t>Mughesh Kumar NR</a:t>
             </a:r>
-            <a:endParaRPr sz="1800">
+            <a:endParaRPr>
               <a:solidFill>
                 <a:schemeClr val="lt1"/>
               </a:solidFill>
@@ -6164,14 +6179,14 @@
               <a:buNone/>
             </a:pPr>
             <a:r>
-              <a:rPr lang="en" sz="1800">
+              <a:rPr lang="en">
                 <a:solidFill>
                   <a:schemeClr val="lt1"/>
                 </a:solidFill>
               </a:rPr>
               <a:t>Uttam Kumar Saha</a:t>
             </a:r>
-            <a:endParaRPr sz="1800">
+            <a:endParaRPr>
               <a:solidFill>
                 <a:schemeClr val="lt1"/>
               </a:solidFill>
@@ -6190,7 +6205,7 @@
             <a:r>
               <a:t/>
             </a:r>
-            <a:endParaRPr sz="1800">
+            <a:endParaRPr>
               <a:solidFill>
                 <a:schemeClr val="lt1"/>
               </a:solidFill>
@@ -6209,7 +6224,7 @@
             <a:r>
               <a:t/>
             </a:r>
-            <a:endParaRPr sz="1800">
+            <a:endParaRPr>
               <a:solidFill>
                 <a:schemeClr val="lt1"/>
               </a:solidFill>
@@ -6542,739 +6557,857 @@
           </a:p>
         </p:txBody>
       </p:sp>
-      <p:sp>
-        <p:nvSpPr>
+      <p:grpSp>
+        <p:nvGrpSpPr>
           <p:cNvPr id="68" name="Google Shape;68;p15"/>
-          <p:cNvSpPr/>
+          <p:cNvGrpSpPr/>
           <p:nvPr/>
-        </p:nvSpPr>
-        <p:spPr>
+        </p:nvGrpSpPr>
+        <p:grpSpPr>
           <a:xfrm>
-            <a:off x="897375" y="1400663"/>
-            <a:ext cx="1489374" cy="572724"/>
+            <a:off x="4911275" y="821275"/>
+            <a:ext cx="3154500" cy="4136425"/>
+            <a:chOff x="4911275" y="821275"/>
+            <a:chExt cx="3154500" cy="4136425"/>
           </a:xfrm>
-          <a:prstGeom prst="flowChartTerminator">
-            <a:avLst/>
-          </a:prstGeom>
-          <a:solidFill>
-            <a:schemeClr val="lt2"/>
-          </a:solidFill>
-          <a:ln cap="flat" cmpd="sng" w="9525">
+        </p:grpSpPr>
+        <p:grpSp>
+          <p:nvGrpSpPr>
+            <p:cNvPr id="69" name="Google Shape;69;p15"/>
+            <p:cNvGrpSpPr/>
+            <p:nvPr/>
+          </p:nvGrpSpPr>
+          <p:grpSpPr>
+            <a:xfrm>
+              <a:off x="5793275" y="3674875"/>
+              <a:ext cx="1390500" cy="1282825"/>
+              <a:chOff x="5793275" y="3674875"/>
+              <a:chExt cx="1390500" cy="1282825"/>
+            </a:xfrm>
+          </p:grpSpPr>
+          <p:sp>
+            <p:nvSpPr>
+              <p:cNvPr id="70" name="Google Shape;70;p15"/>
+              <p:cNvSpPr/>
+              <p:nvPr/>
+            </p:nvSpPr>
+            <p:spPr>
+              <a:xfrm>
+                <a:off x="5793275" y="4342262"/>
+                <a:ext cx="1390500" cy="615438"/>
+              </a:xfrm>
+              <a:prstGeom prst="flowChartTerminator">
+                <a:avLst/>
+              </a:prstGeom>
+              <a:solidFill>
+                <a:srgbClr val="FF0000"/>
+              </a:solidFill>
+              <a:ln cap="flat" cmpd="sng" w="9525">
+                <a:solidFill>
+                  <a:schemeClr val="dk2"/>
+                </a:solidFill>
+                <a:prstDash val="solid"/>
+                <a:round/>
+                <a:headEnd len="sm" w="sm" type="none"/>
+                <a:tailEnd len="sm" w="sm" type="none"/>
+              </a:ln>
+            </p:spPr>
+            <p:txBody>
+              <a:bodyPr anchorCtr="0" anchor="ctr" bIns="91425" lIns="91425" spcFirstLastPara="1" rIns="91425" wrap="square" tIns="91425">
+                <a:noAutofit/>
+              </a:bodyPr>
+              <a:lstStyle/>
+              <a:p>
+                <a:pPr indent="0" lvl="0" marL="0" rtl="0" algn="ctr">
+                  <a:spcBef>
+                    <a:spcPts val="0"/>
+                  </a:spcBef>
+                  <a:spcAft>
+                    <a:spcPts val="0"/>
+                  </a:spcAft>
+                  <a:buNone/>
+                </a:pPr>
+                <a:r>
+                  <a:rPr lang="en"/>
+                  <a:t>Buzzer / Speaker </a:t>
+                </a:r>
+                <a:endParaRPr/>
+              </a:p>
+            </p:txBody>
+          </p:sp>
+          <p:pic>
+            <p:nvPicPr>
+              <p:cNvPr id="71" name="Google Shape;71;p15"/>
+              <p:cNvPicPr preferRelativeResize="0"/>
+              <p:nvPr/>
+            </p:nvPicPr>
+            <p:blipFill>
+              <a:blip r:embed="rId3">
+                <a:alphaModFix/>
+              </a:blip>
+              <a:stretch>
+                <a:fillRect/>
+              </a:stretch>
+            </p:blipFill>
+            <p:spPr>
+              <a:xfrm rot="5399996">
+                <a:off x="6195662" y="3801926"/>
+                <a:ext cx="585725" cy="331625"/>
+              </a:xfrm>
+              <a:prstGeom prst="rect">
+                <a:avLst/>
+              </a:prstGeom>
+              <a:noFill/>
+              <a:ln>
+                <a:noFill/>
+              </a:ln>
+            </p:spPr>
+          </p:pic>
+        </p:grpSp>
+        <p:grpSp>
+          <p:nvGrpSpPr>
+            <p:cNvPr id="72" name="Google Shape;72;p15"/>
+            <p:cNvGrpSpPr/>
+            <p:nvPr/>
+          </p:nvGrpSpPr>
+          <p:grpSpPr>
+            <a:xfrm>
+              <a:off x="4911275" y="821275"/>
+              <a:ext cx="3154500" cy="2853600"/>
+              <a:chOff x="4911288" y="821275"/>
+              <a:chExt cx="3154500" cy="2853600"/>
+            </a:xfrm>
+          </p:grpSpPr>
+          <p:sp>
+            <p:nvSpPr>
+              <p:cNvPr id="73" name="Google Shape;73;p15"/>
+              <p:cNvSpPr/>
+              <p:nvPr/>
+            </p:nvSpPr>
+            <p:spPr>
+              <a:xfrm>
+                <a:off x="4911288" y="821275"/>
+                <a:ext cx="3154500" cy="2853600"/>
+              </a:xfrm>
+              <a:prstGeom prst="roundRect">
+                <a:avLst>
+                  <a:gd fmla="val 16667" name="adj"/>
+                </a:avLst>
+              </a:prstGeom>
+              <a:solidFill>
+                <a:srgbClr val="C9DAF8"/>
+              </a:solidFill>
+              <a:ln cap="flat" cmpd="sng" w="7200">
+                <a:solidFill>
+                  <a:schemeClr val="dk2"/>
+                </a:solidFill>
+                <a:prstDash val="solid"/>
+                <a:round/>
+                <a:headEnd len="sm" w="sm" type="none"/>
+                <a:tailEnd len="sm" w="sm" type="none"/>
+              </a:ln>
+            </p:spPr>
+            <p:txBody>
+              <a:bodyPr anchorCtr="0" anchor="ctr" bIns="69200" lIns="69200" spcFirstLastPara="1" rIns="69200" wrap="square" tIns="69200">
+                <a:noAutofit/>
+              </a:bodyPr>
+              <a:lstStyle/>
+              <a:p>
+                <a:pPr indent="0" lvl="0" marL="0" rtl="0" algn="l">
+                  <a:lnSpc>
+                    <a:spcPct val="115000"/>
+                  </a:lnSpc>
+                  <a:spcBef>
+                    <a:spcPts val="0"/>
+                  </a:spcBef>
+                  <a:spcAft>
+                    <a:spcPts val="0"/>
+                  </a:spcAft>
+                  <a:buClr>
+                    <a:schemeClr val="dk1"/>
+                  </a:buClr>
+                  <a:buSzPts val="1100"/>
+                  <a:buFont typeface="Arial"/>
+                  <a:buNone/>
+                </a:pPr>
+                <a:r>
+                  <a:t/>
+                </a:r>
+                <a:endParaRPr sz="1362">
+                  <a:solidFill>
+                    <a:schemeClr val="dk1"/>
+                  </a:solidFill>
+                </a:endParaRPr>
+              </a:p>
+              <a:p>
+                <a:pPr indent="0" lvl="0" marL="0" rtl="0" algn="ctr">
+                  <a:spcBef>
+                    <a:spcPts val="0"/>
+                  </a:spcBef>
+                  <a:spcAft>
+                    <a:spcPts val="0"/>
+                  </a:spcAft>
+                  <a:buNone/>
+                </a:pPr>
+                <a:r>
+                  <a:t/>
+                </a:r>
+                <a:endParaRPr sz="1059"/>
+              </a:p>
+            </p:txBody>
+          </p:sp>
+          <p:sp>
+            <p:nvSpPr>
+              <p:cNvPr id="74" name="Google Shape;74;p15"/>
+              <p:cNvSpPr txBox="1"/>
+              <p:nvPr/>
+            </p:nvSpPr>
+            <p:spPr>
+              <a:xfrm>
+                <a:off x="5045087" y="943750"/>
+                <a:ext cx="2886900" cy="441900"/>
+              </a:xfrm>
+              <a:prstGeom prst="rect">
+                <a:avLst/>
+              </a:prstGeom>
+              <a:noFill/>
+              <a:ln>
+                <a:noFill/>
+              </a:ln>
+            </p:spPr>
+            <p:txBody>
+              <a:bodyPr anchorCtr="0" anchor="t" bIns="69200" lIns="69200" spcFirstLastPara="1" rIns="69200" wrap="square" tIns="69200">
+                <a:spAutoFit/>
+              </a:bodyPr>
+              <a:lstStyle/>
+              <a:p>
+                <a:pPr indent="0" lvl="0" marL="0" rtl="0" algn="l">
+                  <a:lnSpc>
+                    <a:spcPct val="115000"/>
+                  </a:lnSpc>
+                  <a:spcBef>
+                    <a:spcPts val="0"/>
+                  </a:spcBef>
+                  <a:spcAft>
+                    <a:spcPts val="0"/>
+                  </a:spcAft>
+                  <a:buClr>
+                    <a:schemeClr val="dk1"/>
+                  </a:buClr>
+                  <a:buSzPts val="1100"/>
+                  <a:buFont typeface="Arial"/>
+                  <a:buNone/>
+                </a:pPr>
+                <a:r>
+                  <a:rPr b="1" lang="en" sz="1432">
+                    <a:solidFill>
+                      <a:schemeClr val="dk1"/>
+                    </a:solidFill>
+                  </a:rPr>
+                  <a:t>      NVIDIA JETSON NANO</a:t>
+                </a:r>
+                <a:r>
+                  <a:rPr b="1" lang="en" sz="1962">
+                    <a:solidFill>
+                      <a:schemeClr val="dk1"/>
+                    </a:solidFill>
+                  </a:rPr>
+                  <a:t> </a:t>
+                </a:r>
+                <a:endParaRPr sz="1362">
+                  <a:solidFill>
+                    <a:schemeClr val="dk2"/>
+                  </a:solidFill>
+                </a:endParaRPr>
+              </a:p>
+            </p:txBody>
+          </p:sp>
+          <p:sp>
+            <p:nvSpPr>
+              <p:cNvPr id="75" name="Google Shape;75;p15"/>
+              <p:cNvSpPr/>
+              <p:nvPr/>
+            </p:nvSpPr>
+            <p:spPr>
+              <a:xfrm>
+                <a:off x="5028663" y="1523100"/>
+                <a:ext cx="1316400" cy="1145700"/>
+              </a:xfrm>
+              <a:prstGeom prst="roundRect">
+                <a:avLst>
+                  <a:gd fmla="val 16667" name="adj"/>
+                </a:avLst>
+              </a:prstGeom>
+              <a:solidFill>
+                <a:srgbClr val="D9EAD3"/>
+              </a:solidFill>
+              <a:ln cap="flat" cmpd="sng" w="7200">
+                <a:solidFill>
+                  <a:schemeClr val="dk2"/>
+                </a:solidFill>
+                <a:prstDash val="solid"/>
+                <a:round/>
+                <a:headEnd len="sm" w="sm" type="none"/>
+                <a:tailEnd len="sm" w="sm" type="none"/>
+              </a:ln>
+            </p:spPr>
+            <p:txBody>
+              <a:bodyPr anchorCtr="0" anchor="ctr" bIns="69200" lIns="69200" spcFirstLastPara="1" rIns="69200" wrap="square" tIns="69200">
+                <a:noAutofit/>
+              </a:bodyPr>
+              <a:lstStyle/>
+              <a:p>
+                <a:pPr indent="0" lvl="0" marL="0" rtl="0" algn="ctr">
+                  <a:lnSpc>
+                    <a:spcPct val="115000"/>
+                  </a:lnSpc>
+                  <a:spcBef>
+                    <a:spcPts val="0"/>
+                  </a:spcBef>
+                  <a:spcAft>
+                    <a:spcPts val="0"/>
+                  </a:spcAft>
+                  <a:buNone/>
+                </a:pPr>
+                <a:r>
+                  <a:rPr b="1" lang="en" sz="1200">
+                    <a:solidFill>
+                      <a:srgbClr val="1F497D"/>
+                    </a:solidFill>
+                  </a:rPr>
+                  <a:t>Audio AI</a:t>
+                </a:r>
+                <a:endParaRPr b="1" sz="1200">
+                  <a:solidFill>
+                    <a:srgbClr val="1F497D"/>
+                  </a:solidFill>
+                </a:endParaRPr>
+              </a:p>
+              <a:p>
+                <a:pPr indent="0" lvl="0" marL="0" rtl="0" algn="ctr">
+                  <a:lnSpc>
+                    <a:spcPct val="115000"/>
+                  </a:lnSpc>
+                  <a:spcBef>
+                    <a:spcPts val="0"/>
+                  </a:spcBef>
+                  <a:spcAft>
+                    <a:spcPts val="0"/>
+                  </a:spcAft>
+                  <a:buNone/>
+                </a:pPr>
+                <a:r>
+                  <a:rPr lang="en" sz="1200">
+                    <a:solidFill>
+                      <a:schemeClr val="dk1"/>
+                    </a:solidFill>
+                  </a:rPr>
+                  <a:t>Wake word</a:t>
+                </a:r>
+                <a:endParaRPr sz="1200">
+                  <a:solidFill>
+                    <a:schemeClr val="dk1"/>
+                  </a:solidFill>
+                </a:endParaRPr>
+              </a:p>
+              <a:p>
+                <a:pPr indent="0" lvl="0" marL="0" rtl="0" algn="ctr">
+                  <a:lnSpc>
+                    <a:spcPct val="115000"/>
+                  </a:lnSpc>
+                  <a:spcBef>
+                    <a:spcPts val="0"/>
+                  </a:spcBef>
+                  <a:spcAft>
+                    <a:spcPts val="0"/>
+                  </a:spcAft>
+                  <a:buNone/>
+                </a:pPr>
+                <a:r>
+                  <a:rPr lang="en" sz="1200">
+                    <a:solidFill>
+                      <a:schemeClr val="dk1"/>
+                    </a:solidFill>
+                  </a:rPr>
+                  <a:t>Cmd reco</a:t>
+                </a:r>
+                <a:r>
+                  <a:rPr lang="en" sz="1200">
+                    <a:solidFill>
+                      <a:schemeClr val="dk1"/>
+                    </a:solidFill>
+                  </a:rPr>
+                  <a:t>g</a:t>
+                </a:r>
+                <a:endParaRPr sz="1200"/>
+              </a:p>
+            </p:txBody>
+          </p:sp>
+          <p:sp>
+            <p:nvSpPr>
+              <p:cNvPr id="76" name="Google Shape;76;p15"/>
+              <p:cNvSpPr/>
+              <p:nvPr/>
+            </p:nvSpPr>
+            <p:spPr>
+              <a:xfrm>
+                <a:off x="6656038" y="1523100"/>
+                <a:ext cx="1316400" cy="1145700"/>
+              </a:xfrm>
+              <a:prstGeom prst="roundRect">
+                <a:avLst>
+                  <a:gd fmla="val 16667" name="adj"/>
+                </a:avLst>
+              </a:prstGeom>
+              <a:solidFill>
+                <a:srgbClr val="D9EAD3"/>
+              </a:solidFill>
+              <a:ln cap="flat" cmpd="sng" w="7200">
+                <a:solidFill>
+                  <a:schemeClr val="dk2"/>
+                </a:solidFill>
+                <a:prstDash val="solid"/>
+                <a:round/>
+                <a:headEnd len="sm" w="sm" type="none"/>
+                <a:tailEnd len="sm" w="sm" type="none"/>
+              </a:ln>
+            </p:spPr>
+            <p:txBody>
+              <a:bodyPr anchorCtr="0" anchor="ctr" bIns="69200" lIns="69200" spcFirstLastPara="1" rIns="69200" wrap="square" tIns="69200">
+                <a:noAutofit/>
+              </a:bodyPr>
+              <a:lstStyle/>
+              <a:p>
+                <a:pPr indent="0" lvl="0" marL="0" rtl="0" algn="ctr">
+                  <a:spcBef>
+                    <a:spcPts val="0"/>
+                  </a:spcBef>
+                  <a:spcAft>
+                    <a:spcPts val="0"/>
+                  </a:spcAft>
+                  <a:buNone/>
+                </a:pPr>
+                <a:r>
+                  <a:rPr b="1" lang="en" sz="1200">
+                    <a:solidFill>
+                      <a:srgbClr val="1F497D"/>
+                    </a:solidFill>
+                  </a:rPr>
+                  <a:t>Vision AI</a:t>
+                </a:r>
+                <a:endParaRPr b="1" sz="1200">
+                  <a:solidFill>
+                    <a:srgbClr val="1F497D"/>
+                  </a:solidFill>
+                </a:endParaRPr>
+              </a:p>
+              <a:p>
+                <a:pPr indent="0" lvl="0" marL="0" rtl="0" algn="ctr">
+                  <a:spcBef>
+                    <a:spcPts val="0"/>
+                  </a:spcBef>
+                  <a:spcAft>
+                    <a:spcPts val="0"/>
+                  </a:spcAft>
+                  <a:buNone/>
+                </a:pPr>
+                <a:r>
+                  <a:rPr lang="en" sz="1200">
+                    <a:solidFill>
+                      <a:schemeClr val="dk1"/>
+                    </a:solidFill>
+                  </a:rPr>
+                  <a:t>Object detect</a:t>
+                </a:r>
+                <a:endParaRPr sz="1200">
+                  <a:solidFill>
+                    <a:schemeClr val="dk1"/>
+                  </a:solidFill>
+                </a:endParaRPr>
+              </a:p>
+              <a:p>
+                <a:pPr indent="0" lvl="0" marL="0" rtl="0" algn="ctr">
+                  <a:spcBef>
+                    <a:spcPts val="0"/>
+                  </a:spcBef>
+                  <a:spcAft>
+                    <a:spcPts val="0"/>
+                  </a:spcAft>
+                  <a:buNone/>
+                </a:pPr>
+                <a:r>
+                  <a:rPr lang="en" sz="1200">
+                    <a:solidFill>
+                      <a:schemeClr val="dk1"/>
+                    </a:solidFill>
+                  </a:rPr>
+                  <a:t>Face recog</a:t>
+                </a:r>
+                <a:endParaRPr sz="1200">
+                  <a:solidFill>
+                    <a:schemeClr val="dk1"/>
+                  </a:solidFill>
+                </a:endParaRPr>
+              </a:p>
+            </p:txBody>
+          </p:sp>
+          <p:sp>
+            <p:nvSpPr>
+              <p:cNvPr id="77" name="Google Shape;77;p15"/>
+              <p:cNvSpPr/>
+              <p:nvPr/>
+            </p:nvSpPr>
+            <p:spPr>
+              <a:xfrm>
+                <a:off x="4972031" y="2723223"/>
+                <a:ext cx="3033018" cy="884898"/>
+              </a:xfrm>
+              <a:prstGeom prst="flowChartTerminator">
+                <a:avLst/>
+              </a:prstGeom>
+              <a:solidFill>
+                <a:srgbClr val="00FF00"/>
+              </a:solidFill>
+              <a:ln cap="flat" cmpd="sng" w="9525">
+                <a:solidFill>
+                  <a:schemeClr val="dk2"/>
+                </a:solidFill>
+                <a:prstDash val="solid"/>
+                <a:round/>
+                <a:headEnd len="sm" w="sm" type="none"/>
+                <a:tailEnd len="sm" w="sm" type="none"/>
+              </a:ln>
+            </p:spPr>
+            <p:txBody>
+              <a:bodyPr anchorCtr="0" anchor="ctr" bIns="91425" lIns="91425" spcFirstLastPara="1" rIns="91425" wrap="square" tIns="91425">
+                <a:noAutofit/>
+              </a:bodyPr>
+              <a:lstStyle/>
+              <a:p>
+                <a:pPr indent="0" lvl="0" marL="0" rtl="0" algn="ctr">
+                  <a:spcBef>
+                    <a:spcPts val="0"/>
+                  </a:spcBef>
+                  <a:spcAft>
+                    <a:spcPts val="0"/>
+                  </a:spcAft>
+                  <a:buNone/>
+                </a:pPr>
+                <a:r>
+                  <a:rPr lang="en"/>
+                  <a:t>Recording DATA </a:t>
+                </a:r>
+                <a:endParaRPr/>
+              </a:p>
+              <a:p>
+                <a:pPr indent="0" lvl="0" marL="0" rtl="0" algn="ctr">
+                  <a:spcBef>
+                    <a:spcPts val="0"/>
+                  </a:spcBef>
+                  <a:spcAft>
+                    <a:spcPts val="0"/>
+                  </a:spcAft>
+                  <a:buNone/>
+                </a:pPr>
+                <a:r>
+                  <a:rPr lang="en"/>
+                  <a:t>Store</a:t>
+                </a:r>
+                <a:r>
+                  <a:rPr lang="en"/>
+                  <a:t> </a:t>
+                </a:r>
+                <a:r>
+                  <a:rPr lang="en"/>
+                  <a:t>to </a:t>
+                </a:r>
+                <a:r>
+                  <a:rPr lang="en"/>
+                  <a:t>microSD/SSD</a:t>
+                </a:r>
+                <a:endParaRPr sz="1100"/>
+              </a:p>
+            </p:txBody>
+          </p:sp>
+        </p:grpSp>
+      </p:grpSp>
+      <p:grpSp>
+        <p:nvGrpSpPr>
+          <p:cNvPr id="78" name="Google Shape;78;p15"/>
+          <p:cNvGrpSpPr/>
+          <p:nvPr/>
+        </p:nvGrpSpPr>
+        <p:grpSpPr>
+          <a:xfrm>
+            <a:off x="388750" y="1394088"/>
+            <a:ext cx="4328943" cy="1457436"/>
+            <a:chOff x="181600" y="1261013"/>
+            <a:chExt cx="4328943" cy="1457436"/>
+          </a:xfrm>
+        </p:grpSpPr>
+        <p:sp>
+          <p:nvSpPr>
+            <p:cNvPr id="79" name="Google Shape;79;p15"/>
+            <p:cNvSpPr/>
+            <p:nvPr/>
+          </p:nvSpPr>
+          <p:spPr>
+            <a:xfrm>
+              <a:off x="181600" y="1261013"/>
+              <a:ext cx="1616436" cy="572724"/>
+            </a:xfrm>
+            <a:prstGeom prst="flowChartTerminator">
+              <a:avLst/>
+            </a:prstGeom>
             <a:solidFill>
-              <a:schemeClr val="dk2"/>
+              <a:schemeClr val="lt2"/>
             </a:solidFill>
-            <a:prstDash val="solid"/>
-            <a:round/>
-            <a:headEnd len="sm" w="sm" type="none"/>
-            <a:tailEnd len="sm" w="sm" type="none"/>
-          </a:ln>
-        </p:spPr>
-        <p:txBody>
-          <a:bodyPr anchorCtr="0" anchor="ctr" bIns="91425" lIns="91425" spcFirstLastPara="1" rIns="91425" wrap="square" tIns="91425">
-            <a:noAutofit/>
-          </a:bodyPr>
-          <a:lstStyle/>
-          <a:p>
-            <a:pPr indent="0" lvl="0" marL="0" rtl="0" algn="ctr">
-              <a:spcBef>
-                <a:spcPts val="0"/>
-              </a:spcBef>
-              <a:spcAft>
-                <a:spcPts val="0"/>
-              </a:spcAft>
-              <a:buNone/>
-            </a:pPr>
-            <a:r>
-              <a:rPr lang="en"/>
-              <a:t>Microphone</a:t>
-            </a:r>
-            <a:endParaRPr/>
-          </a:p>
-          <a:p>
-            <a:pPr indent="0" lvl="0" marL="0" rtl="0" algn="ctr">
-              <a:spcBef>
-                <a:spcPts val="0"/>
-              </a:spcBef>
-              <a:spcAft>
-                <a:spcPts val="0"/>
-              </a:spcAft>
-              <a:buNone/>
-            </a:pPr>
-            <a:r>
-              <a:rPr lang="en" sz="1200">
-                <a:solidFill>
-                  <a:schemeClr val="dk1"/>
-                </a:solidFill>
-              </a:rPr>
-              <a:t>Wake-word</a:t>
-            </a:r>
-            <a:endParaRPr sz="1200"/>
-          </a:p>
-        </p:txBody>
-      </p:sp>
-      <p:sp>
-        <p:nvSpPr>
-          <p:cNvPr id="69" name="Google Shape;69;p15"/>
-          <p:cNvSpPr/>
-          <p:nvPr/>
-        </p:nvSpPr>
-        <p:spPr>
-          <a:xfrm>
-            <a:off x="897369" y="2129775"/>
-            <a:ext cx="1489374" cy="572724"/>
-          </a:xfrm>
-          <a:prstGeom prst="flowChartTerminator">
-            <a:avLst/>
-          </a:prstGeom>
-          <a:solidFill>
-            <a:schemeClr val="lt2"/>
-          </a:solidFill>
-          <a:ln cap="flat" cmpd="sng" w="9525">
-            <a:solidFill>
-              <a:schemeClr val="dk2"/>
-            </a:solidFill>
-            <a:prstDash val="solid"/>
-            <a:round/>
-            <a:headEnd len="sm" w="sm" type="none"/>
-            <a:tailEnd len="sm" w="sm" type="none"/>
-          </a:ln>
-        </p:spPr>
-        <p:txBody>
-          <a:bodyPr anchorCtr="0" anchor="ctr" bIns="91425" lIns="91425" spcFirstLastPara="1" rIns="91425" wrap="square" tIns="91425">
-            <a:noAutofit/>
-          </a:bodyPr>
-          <a:lstStyle/>
-          <a:p>
-            <a:pPr indent="0" lvl="0" marL="0" rtl="0" algn="ctr">
-              <a:spcBef>
-                <a:spcPts val="0"/>
-              </a:spcBef>
-              <a:spcAft>
-                <a:spcPts val="0"/>
-              </a:spcAft>
-              <a:buNone/>
-            </a:pPr>
-            <a:r>
-              <a:rPr lang="en"/>
-              <a:t>Camera</a:t>
-            </a:r>
-            <a:endParaRPr/>
-          </a:p>
-          <a:p>
-            <a:pPr indent="0" lvl="0" marL="0" rtl="0" algn="ctr">
-              <a:spcBef>
-                <a:spcPts val="0"/>
-              </a:spcBef>
-              <a:spcAft>
-                <a:spcPts val="0"/>
-              </a:spcAft>
-              <a:buNone/>
-            </a:pPr>
-            <a:r>
-              <a:rPr lang="en" sz="1200"/>
-              <a:t>(Face Detection)</a:t>
-            </a:r>
-            <a:endParaRPr sz="1200"/>
-          </a:p>
-        </p:txBody>
-      </p:sp>
-      <p:sp>
-        <p:nvSpPr>
-          <p:cNvPr id="70" name="Google Shape;70;p15"/>
-          <p:cNvSpPr/>
-          <p:nvPr/>
-        </p:nvSpPr>
-        <p:spPr>
-          <a:xfrm>
-            <a:off x="7089600" y="1743862"/>
-            <a:ext cx="1390500" cy="615438"/>
-          </a:xfrm>
-          <a:prstGeom prst="flowChartTerminator">
-            <a:avLst/>
-          </a:prstGeom>
-          <a:solidFill>
-            <a:srgbClr val="FF0000"/>
-          </a:solidFill>
-          <a:ln cap="flat" cmpd="sng" w="9525">
-            <a:solidFill>
-              <a:schemeClr val="dk2"/>
-            </a:solidFill>
-            <a:prstDash val="solid"/>
-            <a:round/>
-            <a:headEnd len="sm" w="sm" type="none"/>
-            <a:tailEnd len="sm" w="sm" type="none"/>
-          </a:ln>
-        </p:spPr>
-        <p:txBody>
-          <a:bodyPr anchorCtr="0" anchor="ctr" bIns="91425" lIns="91425" spcFirstLastPara="1" rIns="91425" wrap="square" tIns="91425">
-            <a:noAutofit/>
-          </a:bodyPr>
-          <a:lstStyle/>
-          <a:p>
-            <a:pPr indent="0" lvl="0" marL="0" rtl="0" algn="ctr">
-              <a:spcBef>
-                <a:spcPts val="0"/>
-              </a:spcBef>
-              <a:spcAft>
-                <a:spcPts val="0"/>
-              </a:spcAft>
-              <a:buNone/>
-            </a:pPr>
-            <a:r>
-              <a:rPr lang="en"/>
-              <a:t>Buzzer / Speaker </a:t>
-            </a:r>
-            <a:endParaRPr/>
-          </a:p>
-        </p:txBody>
-      </p:sp>
-      <p:pic>
-        <p:nvPicPr>
-          <p:cNvPr id="71" name="Google Shape;71;p15"/>
-          <p:cNvPicPr preferRelativeResize="0"/>
-          <p:nvPr/>
-        </p:nvPicPr>
-        <p:blipFill>
-          <a:blip r:embed="rId3">
-            <a:alphaModFix/>
-          </a:blip>
-          <a:stretch>
-            <a:fillRect/>
-          </a:stretch>
-        </p:blipFill>
-        <p:spPr>
-          <a:xfrm>
-            <a:off x="2419088" y="1501641"/>
-            <a:ext cx="804930" cy="370775"/>
-          </a:xfrm>
-          <a:prstGeom prst="rect">
-            <a:avLst/>
-          </a:prstGeom>
-          <a:noFill/>
-          <a:ln>
-            <a:noFill/>
-          </a:ln>
-        </p:spPr>
-      </p:pic>
-      <p:pic>
-        <p:nvPicPr>
-          <p:cNvPr id="72" name="Google Shape;72;p15"/>
-          <p:cNvPicPr preferRelativeResize="0"/>
-          <p:nvPr/>
-        </p:nvPicPr>
-        <p:blipFill>
-          <a:blip r:embed="rId3">
-            <a:alphaModFix/>
-          </a:blip>
-          <a:stretch>
-            <a:fillRect/>
-          </a:stretch>
-        </p:blipFill>
-        <p:spPr>
-          <a:xfrm>
-            <a:off x="2419100" y="2230754"/>
-            <a:ext cx="804930" cy="370775"/>
-          </a:xfrm>
-          <a:prstGeom prst="rect">
-            <a:avLst/>
-          </a:prstGeom>
-          <a:noFill/>
-          <a:ln>
-            <a:noFill/>
-          </a:ln>
-        </p:spPr>
-      </p:pic>
-      <p:pic>
-        <p:nvPicPr>
-          <p:cNvPr id="73" name="Google Shape;73;p15"/>
-          <p:cNvPicPr preferRelativeResize="0"/>
-          <p:nvPr/>
-        </p:nvPicPr>
-        <p:blipFill>
-          <a:blip r:embed="rId3">
-            <a:alphaModFix/>
-          </a:blip>
-          <a:stretch>
-            <a:fillRect/>
-          </a:stretch>
-        </p:blipFill>
-        <p:spPr>
-          <a:xfrm>
-            <a:off x="6441188" y="1885775"/>
-            <a:ext cx="585725" cy="331625"/>
-          </a:xfrm>
-          <a:prstGeom prst="rect">
-            <a:avLst/>
-          </a:prstGeom>
-          <a:noFill/>
-          <a:ln>
-            <a:noFill/>
-          </a:ln>
-        </p:spPr>
-      </p:pic>
-      <p:sp>
-        <p:nvSpPr>
-          <p:cNvPr id="74" name="Google Shape;74;p15"/>
-          <p:cNvSpPr/>
-          <p:nvPr/>
-        </p:nvSpPr>
-        <p:spPr>
-          <a:xfrm>
-            <a:off x="3224025" y="763525"/>
-            <a:ext cx="3154500" cy="2576100"/>
-          </a:xfrm>
-          <a:prstGeom prst="roundRect">
-            <a:avLst>
-              <a:gd fmla="val 16667" name="adj"/>
-            </a:avLst>
-          </a:prstGeom>
-          <a:solidFill>
-            <a:srgbClr val="C9DAF8"/>
-          </a:solidFill>
-          <a:ln cap="flat" cmpd="sng" w="7200">
-            <a:solidFill>
-              <a:schemeClr val="dk2"/>
-            </a:solidFill>
-            <a:prstDash val="solid"/>
-            <a:round/>
-            <a:headEnd len="sm" w="sm" type="none"/>
-            <a:tailEnd len="sm" w="sm" type="none"/>
-          </a:ln>
-        </p:spPr>
-        <p:txBody>
-          <a:bodyPr anchorCtr="0" anchor="ctr" bIns="69200" lIns="69200" spcFirstLastPara="1" rIns="69200" wrap="square" tIns="69200">
-            <a:noAutofit/>
-          </a:bodyPr>
-          <a:lstStyle/>
-          <a:p>
-            <a:pPr indent="0" lvl="0" marL="0" rtl="0" algn="l">
-              <a:lnSpc>
-                <a:spcPct val="115000"/>
-              </a:lnSpc>
-              <a:spcBef>
-                <a:spcPts val="0"/>
-              </a:spcBef>
-              <a:spcAft>
-                <a:spcPts val="0"/>
-              </a:spcAft>
-              <a:buClr>
-                <a:schemeClr val="dk1"/>
-              </a:buClr>
-              <a:buSzPts val="1100"/>
-              <a:buFont typeface="Arial"/>
-              <a:buNone/>
-            </a:pPr>
-            <a:r>
-              <a:t/>
-            </a:r>
-            <a:endParaRPr sz="1362">
-              <a:solidFill>
-                <a:schemeClr val="dk1"/>
-              </a:solidFill>
-            </a:endParaRPr>
-          </a:p>
-          <a:p>
-            <a:pPr indent="0" lvl="0" marL="0" rtl="0" algn="ctr">
-              <a:spcBef>
-                <a:spcPts val="0"/>
-              </a:spcBef>
-              <a:spcAft>
-                <a:spcPts val="0"/>
-              </a:spcAft>
-              <a:buNone/>
-            </a:pPr>
-            <a:r>
-              <a:t/>
-            </a:r>
-            <a:endParaRPr sz="1059"/>
-          </a:p>
-        </p:txBody>
-      </p:sp>
-      <p:sp>
-        <p:nvSpPr>
-          <p:cNvPr id="75" name="Google Shape;75;p15"/>
-          <p:cNvSpPr txBox="1"/>
-          <p:nvPr/>
-        </p:nvSpPr>
-        <p:spPr>
-          <a:xfrm>
-            <a:off x="3357825" y="974000"/>
-            <a:ext cx="2886900" cy="441900"/>
-          </a:xfrm>
-          <a:prstGeom prst="rect">
-            <a:avLst/>
-          </a:prstGeom>
-          <a:noFill/>
-          <a:ln>
-            <a:noFill/>
-          </a:ln>
-        </p:spPr>
-        <p:txBody>
-          <a:bodyPr anchorCtr="0" anchor="t" bIns="69200" lIns="69200" spcFirstLastPara="1" rIns="69200" wrap="square" tIns="69200">
-            <a:spAutoFit/>
-          </a:bodyPr>
-          <a:lstStyle/>
-          <a:p>
-            <a:pPr indent="0" lvl="0" marL="0" rtl="0" algn="l">
-              <a:lnSpc>
-                <a:spcPct val="115000"/>
-              </a:lnSpc>
-              <a:spcBef>
-                <a:spcPts val="0"/>
-              </a:spcBef>
-              <a:spcAft>
-                <a:spcPts val="0"/>
-              </a:spcAft>
-              <a:buClr>
-                <a:schemeClr val="dk1"/>
-              </a:buClr>
-              <a:buSzPts val="1100"/>
-              <a:buFont typeface="Arial"/>
-              <a:buNone/>
-            </a:pPr>
-            <a:r>
-              <a:rPr b="1" lang="en" sz="1432">
-                <a:solidFill>
-                  <a:schemeClr val="dk1"/>
-                </a:solidFill>
-              </a:rPr>
-              <a:t>      NVIDIA JETSON NANO</a:t>
-            </a:r>
-            <a:r>
-              <a:rPr b="1" lang="en" sz="1962">
-                <a:solidFill>
-                  <a:schemeClr val="dk1"/>
-                </a:solidFill>
-              </a:rPr>
-              <a:t> </a:t>
-            </a:r>
-            <a:endParaRPr sz="1362">
+            <a:ln cap="flat" cmpd="sng" w="9525">
               <a:solidFill>
                 <a:schemeClr val="dk2"/>
               </a:solidFill>
-            </a:endParaRPr>
-          </a:p>
-        </p:txBody>
-      </p:sp>
-      <p:sp>
-        <p:nvSpPr>
-          <p:cNvPr id="76" name="Google Shape;76;p15"/>
-          <p:cNvSpPr/>
-          <p:nvPr/>
-        </p:nvSpPr>
-        <p:spPr>
-          <a:xfrm>
-            <a:off x="3341400" y="1675825"/>
-            <a:ext cx="1316400" cy="1145700"/>
-          </a:xfrm>
-          <a:prstGeom prst="roundRect">
-            <a:avLst>
-              <a:gd fmla="val 16667" name="adj"/>
-            </a:avLst>
-          </a:prstGeom>
-          <a:solidFill>
-            <a:srgbClr val="D9EAD3"/>
-          </a:solidFill>
-          <a:ln cap="flat" cmpd="sng" w="7200">
+              <a:prstDash val="solid"/>
+              <a:round/>
+              <a:headEnd len="sm" w="sm" type="none"/>
+              <a:tailEnd len="sm" w="sm" type="none"/>
+            </a:ln>
+          </p:spPr>
+          <p:txBody>
+            <a:bodyPr anchorCtr="0" anchor="ctr" bIns="91425" lIns="91425" spcFirstLastPara="1" rIns="91425" wrap="square" tIns="91425">
+              <a:noAutofit/>
+            </a:bodyPr>
+            <a:lstStyle/>
+            <a:p>
+              <a:pPr indent="0" lvl="0" marL="0" rtl="0" algn="ctr">
+                <a:spcBef>
+                  <a:spcPts val="0"/>
+                </a:spcBef>
+                <a:spcAft>
+                  <a:spcPts val="0"/>
+                </a:spcAft>
+                <a:buNone/>
+              </a:pPr>
+              <a:r>
+                <a:rPr lang="en"/>
+                <a:t>Microphone</a:t>
+              </a:r>
+              <a:endParaRPr/>
+            </a:p>
+            <a:p>
+              <a:pPr indent="0" lvl="0" marL="0" rtl="0" algn="ctr">
+                <a:spcBef>
+                  <a:spcPts val="0"/>
+                </a:spcBef>
+                <a:spcAft>
+                  <a:spcPts val="0"/>
+                </a:spcAft>
+                <a:buNone/>
+              </a:pPr>
+              <a:r>
+                <a:rPr lang="en" sz="1200">
+                  <a:solidFill>
+                    <a:schemeClr val="dk1"/>
+                  </a:solidFill>
+                </a:rPr>
+                <a:t>Wake-word/signal</a:t>
+              </a:r>
+              <a:endParaRPr sz="1200"/>
+            </a:p>
+          </p:txBody>
+        </p:sp>
+        <p:sp>
+          <p:nvSpPr>
+            <p:cNvPr id="80" name="Google Shape;80;p15"/>
+            <p:cNvSpPr/>
+            <p:nvPr/>
+          </p:nvSpPr>
+          <p:spPr>
+            <a:xfrm>
+              <a:off x="2089188" y="1703375"/>
+              <a:ext cx="1616436" cy="572724"/>
+            </a:xfrm>
+            <a:prstGeom prst="flowChartTerminator">
+              <a:avLst/>
+            </a:prstGeom>
             <a:solidFill>
-              <a:schemeClr val="dk2"/>
+              <a:schemeClr val="lt2"/>
             </a:solidFill>
-            <a:prstDash val="solid"/>
-            <a:round/>
-            <a:headEnd len="sm" w="sm" type="none"/>
-            <a:tailEnd len="sm" w="sm" type="none"/>
-          </a:ln>
-        </p:spPr>
-        <p:txBody>
-          <a:bodyPr anchorCtr="0" anchor="ctr" bIns="69200" lIns="69200" spcFirstLastPara="1" rIns="69200" wrap="square" tIns="69200">
-            <a:noAutofit/>
-          </a:bodyPr>
-          <a:lstStyle/>
-          <a:p>
-            <a:pPr indent="0" lvl="0" marL="0" rtl="0" algn="ctr">
-              <a:lnSpc>
-                <a:spcPct val="115000"/>
-              </a:lnSpc>
-              <a:spcBef>
-                <a:spcPts val="0"/>
-              </a:spcBef>
-              <a:spcAft>
-                <a:spcPts val="0"/>
-              </a:spcAft>
-              <a:buNone/>
-            </a:pPr>
-            <a:r>
-              <a:rPr b="1" lang="en" sz="1200">
-                <a:solidFill>
-                  <a:srgbClr val="1F497D"/>
-                </a:solidFill>
-              </a:rPr>
-              <a:t>Audio AI</a:t>
-            </a:r>
-            <a:endParaRPr b="1" sz="1200">
+            <a:ln cap="flat" cmpd="sng" w="9525">
               <a:solidFill>
-                <a:srgbClr val="1F497D"/>
+                <a:schemeClr val="dk2"/>
               </a:solidFill>
-            </a:endParaRPr>
-          </a:p>
-          <a:p>
-            <a:pPr indent="0" lvl="0" marL="0" rtl="0" algn="ctr">
-              <a:lnSpc>
-                <a:spcPct val="115000"/>
-              </a:lnSpc>
-              <a:spcBef>
-                <a:spcPts val="0"/>
-              </a:spcBef>
-              <a:spcAft>
-                <a:spcPts val="0"/>
-              </a:spcAft>
-              <a:buNone/>
-            </a:pPr>
-            <a:r>
-              <a:rPr lang="en" sz="1200">
-                <a:solidFill>
-                  <a:schemeClr val="dk1"/>
-                </a:solidFill>
-              </a:rPr>
-              <a:t>Wake word</a:t>
-            </a:r>
-            <a:endParaRPr sz="1200">
+              <a:prstDash val="solid"/>
+              <a:round/>
+              <a:headEnd len="sm" w="sm" type="none"/>
+              <a:tailEnd len="sm" w="sm" type="none"/>
+            </a:ln>
+          </p:spPr>
+          <p:txBody>
+            <a:bodyPr anchorCtr="0" anchor="ctr" bIns="91425" lIns="91425" spcFirstLastPara="1" rIns="91425" wrap="square" tIns="91425">
+              <a:noAutofit/>
+            </a:bodyPr>
+            <a:lstStyle/>
+            <a:p>
+              <a:pPr indent="0" lvl="0" marL="0" rtl="0" algn="ctr">
+                <a:spcBef>
+                  <a:spcPts val="0"/>
+                </a:spcBef>
+                <a:spcAft>
+                  <a:spcPts val="0"/>
+                </a:spcAft>
+                <a:buNone/>
+              </a:pPr>
+              <a:r>
+                <a:rPr lang="en"/>
+                <a:t>Camera</a:t>
+              </a:r>
+              <a:endParaRPr/>
+            </a:p>
+            <a:p>
+              <a:pPr indent="0" lvl="0" marL="0" rtl="0" algn="ctr">
+                <a:spcBef>
+                  <a:spcPts val="0"/>
+                </a:spcBef>
+                <a:spcAft>
+                  <a:spcPts val="0"/>
+                </a:spcAft>
+                <a:buNone/>
+              </a:pPr>
+              <a:r>
+                <a:rPr lang="en" sz="1200"/>
+                <a:t>(Face Detection)</a:t>
+              </a:r>
+              <a:endParaRPr sz="1200"/>
+            </a:p>
+          </p:txBody>
+        </p:sp>
+        <p:pic>
+          <p:nvPicPr>
+            <p:cNvPr id="81" name="Google Shape;81;p15"/>
+            <p:cNvPicPr preferRelativeResize="0"/>
+            <p:nvPr/>
+          </p:nvPicPr>
+          <p:blipFill>
+            <a:blip r:embed="rId3">
+              <a:alphaModFix/>
+            </a:blip>
+            <a:stretch>
+              <a:fillRect/>
+            </a:stretch>
+          </p:blipFill>
+          <p:spPr>
+            <a:xfrm>
+              <a:off x="1297350" y="1804343"/>
+              <a:ext cx="804930" cy="370775"/>
+            </a:xfrm>
+            <a:prstGeom prst="rect">
+              <a:avLst/>
+            </a:prstGeom>
+            <a:noFill/>
+            <a:ln>
+              <a:noFill/>
+            </a:ln>
+          </p:spPr>
+        </p:pic>
+        <p:sp>
+          <p:nvSpPr>
+            <p:cNvPr id="82" name="Google Shape;82;p15"/>
+            <p:cNvSpPr/>
+            <p:nvPr/>
+          </p:nvSpPr>
+          <p:spPr>
+            <a:xfrm>
+              <a:off x="181600" y="2145725"/>
+              <a:ext cx="1616436" cy="572724"/>
+            </a:xfrm>
+            <a:prstGeom prst="flowChartTerminator">
+              <a:avLst/>
+            </a:prstGeom>
+            <a:solidFill>
+              <a:schemeClr val="lt2"/>
+            </a:solidFill>
+            <a:ln cap="flat" cmpd="sng" w="9525">
               <a:solidFill>
-                <a:schemeClr val="dk1"/>
+                <a:schemeClr val="dk2"/>
               </a:solidFill>
-            </a:endParaRPr>
-          </a:p>
-          <a:p>
-            <a:pPr indent="0" lvl="0" marL="0" rtl="0" algn="ctr">
-              <a:lnSpc>
-                <a:spcPct val="115000"/>
-              </a:lnSpc>
-              <a:spcBef>
-                <a:spcPts val="0"/>
-              </a:spcBef>
-              <a:spcAft>
-                <a:spcPts val="0"/>
-              </a:spcAft>
-              <a:buNone/>
-            </a:pPr>
-            <a:r>
-              <a:rPr lang="en" sz="1200">
-                <a:solidFill>
-                  <a:schemeClr val="dk1"/>
-                </a:solidFill>
-              </a:rPr>
-              <a:t>Cmd recog</a:t>
-            </a:r>
-            <a:endParaRPr sz="1200"/>
-          </a:p>
-        </p:txBody>
-      </p:sp>
-      <p:sp>
-        <p:nvSpPr>
-          <p:cNvPr id="77" name="Google Shape;77;p15"/>
-          <p:cNvSpPr/>
-          <p:nvPr/>
-        </p:nvSpPr>
-        <p:spPr>
-          <a:xfrm>
-            <a:off x="4968775" y="1675825"/>
-            <a:ext cx="1316400" cy="1145700"/>
-          </a:xfrm>
-          <a:prstGeom prst="roundRect">
-            <a:avLst>
-              <a:gd fmla="val 16667" name="adj"/>
-            </a:avLst>
-          </a:prstGeom>
-          <a:solidFill>
-            <a:srgbClr val="D9EAD3"/>
-          </a:solidFill>
-          <a:ln cap="flat" cmpd="sng" w="7200">
-            <a:solidFill>
-              <a:schemeClr val="dk2"/>
-            </a:solidFill>
-            <a:prstDash val="solid"/>
-            <a:round/>
-            <a:headEnd len="sm" w="sm" type="none"/>
-            <a:tailEnd len="sm" w="sm" type="none"/>
-          </a:ln>
-        </p:spPr>
-        <p:txBody>
-          <a:bodyPr anchorCtr="0" anchor="ctr" bIns="69200" lIns="69200" spcFirstLastPara="1" rIns="69200" wrap="square" tIns="69200">
-            <a:noAutofit/>
-          </a:bodyPr>
-          <a:lstStyle/>
-          <a:p>
-            <a:pPr indent="0" lvl="0" marL="0" rtl="0" algn="ctr">
-              <a:spcBef>
-                <a:spcPts val="0"/>
-              </a:spcBef>
-              <a:spcAft>
-                <a:spcPts val="0"/>
-              </a:spcAft>
-              <a:buNone/>
-            </a:pPr>
-            <a:r>
-              <a:rPr b="1" lang="en" sz="1200">
-                <a:solidFill>
-                  <a:srgbClr val="1F497D"/>
-                </a:solidFill>
-              </a:rPr>
-              <a:t>Vision AI</a:t>
-            </a:r>
-            <a:endParaRPr b="1" sz="1200">
-              <a:solidFill>
-                <a:srgbClr val="1F497D"/>
-              </a:solidFill>
-            </a:endParaRPr>
-          </a:p>
-          <a:p>
-            <a:pPr indent="0" lvl="0" marL="0" rtl="0" algn="ctr">
-              <a:spcBef>
-                <a:spcPts val="0"/>
-              </a:spcBef>
-              <a:spcAft>
-                <a:spcPts val="0"/>
-              </a:spcAft>
-              <a:buNone/>
-            </a:pPr>
-            <a:r>
-              <a:rPr lang="en" sz="1200">
-                <a:solidFill>
-                  <a:schemeClr val="dk1"/>
-                </a:solidFill>
-              </a:rPr>
-              <a:t>Object detect</a:t>
-            </a:r>
-            <a:endParaRPr sz="1200">
-              <a:solidFill>
-                <a:schemeClr val="dk1"/>
-              </a:solidFill>
-            </a:endParaRPr>
-          </a:p>
-          <a:p>
-            <a:pPr indent="0" lvl="0" marL="0" rtl="0" algn="ctr">
-              <a:spcBef>
-                <a:spcPts val="0"/>
-              </a:spcBef>
-              <a:spcAft>
-                <a:spcPts val="0"/>
-              </a:spcAft>
-              <a:buNone/>
-            </a:pPr>
-            <a:r>
-              <a:rPr lang="en" sz="1200">
-                <a:solidFill>
-                  <a:schemeClr val="dk1"/>
-                </a:solidFill>
-              </a:rPr>
-              <a:t>Face recog</a:t>
-            </a:r>
-            <a:endParaRPr sz="1200">
-              <a:solidFill>
-                <a:schemeClr val="dk1"/>
-              </a:solidFill>
-            </a:endParaRPr>
-          </a:p>
-        </p:txBody>
-      </p:sp>
-      <p:pic>
-        <p:nvPicPr>
-          <p:cNvPr id="78" name="Google Shape;78;p15"/>
-          <p:cNvPicPr preferRelativeResize="0"/>
-          <p:nvPr/>
-        </p:nvPicPr>
-        <p:blipFill>
-          <a:blip r:embed="rId3">
-            <a:alphaModFix/>
-          </a:blip>
-          <a:stretch>
-            <a:fillRect/>
-          </a:stretch>
-        </p:blipFill>
-        <p:spPr>
-          <a:xfrm rot="5399996">
-            <a:off x="4508400" y="3570751"/>
-            <a:ext cx="585725" cy="331625"/>
-          </a:xfrm>
-          <a:prstGeom prst="rect">
-            <a:avLst/>
-          </a:prstGeom>
-          <a:noFill/>
-          <a:ln>
+              <a:prstDash val="solid"/>
+              <a:round/>
+              <a:headEnd len="sm" w="sm" type="none"/>
+              <a:tailEnd len="sm" w="sm" type="none"/>
+            </a:ln>
+          </p:spPr>
+          <p:txBody>
+            <a:bodyPr anchorCtr="0" anchor="ctr" bIns="91425" lIns="91425" spcFirstLastPara="1" rIns="91425" wrap="square" tIns="91425">
+              <a:noAutofit/>
+            </a:bodyPr>
+            <a:lstStyle/>
+            <a:p>
+              <a:pPr indent="0" lvl="0" marL="0" rtl="0" algn="ctr">
+                <a:spcBef>
+                  <a:spcPts val="0"/>
+                </a:spcBef>
+                <a:spcAft>
+                  <a:spcPts val="0"/>
+                </a:spcAft>
+                <a:buNone/>
+              </a:pPr>
+              <a:r>
+                <a:rPr lang="en"/>
+                <a:t>Motion Sensor</a:t>
+              </a:r>
+              <a:endParaRPr/>
+            </a:p>
+            <a:p>
+              <a:pPr indent="0" lvl="0" marL="0" rtl="0" algn="ctr">
+                <a:spcBef>
+                  <a:spcPts val="0"/>
+                </a:spcBef>
+                <a:spcAft>
+                  <a:spcPts val="0"/>
+                </a:spcAft>
+                <a:buNone/>
+              </a:pPr>
+              <a:r>
+                <a:rPr lang="en" sz="1200">
+                  <a:solidFill>
+                    <a:schemeClr val="dk1"/>
+                  </a:solidFill>
+                </a:rPr>
+                <a:t>Movement</a:t>
+              </a:r>
+              <a:endParaRPr sz="1200"/>
+            </a:p>
+          </p:txBody>
+        </p:sp>
+        <p:pic>
+          <p:nvPicPr>
+            <p:cNvPr id="83" name="Google Shape;83;p15"/>
+            <p:cNvPicPr preferRelativeResize="0"/>
+            <p:nvPr/>
+          </p:nvPicPr>
+          <p:blipFill>
+            <a:blip r:embed="rId3">
+              <a:alphaModFix/>
+            </a:blip>
+            <a:stretch>
+              <a:fillRect/>
+            </a:stretch>
+          </p:blipFill>
+          <p:spPr>
+            <a:xfrm>
+              <a:off x="3705613" y="1804341"/>
+              <a:ext cx="804930" cy="370775"/>
+            </a:xfrm>
+            <a:prstGeom prst="rect">
+              <a:avLst/>
+            </a:prstGeom>
             <a:noFill/>
-          </a:ln>
-        </p:spPr>
-      </p:pic>
-      <p:sp>
-        <p:nvSpPr>
-          <p:cNvPr id="79" name="Google Shape;79;p15"/>
-          <p:cNvSpPr/>
-          <p:nvPr/>
-        </p:nvSpPr>
-        <p:spPr>
-          <a:xfrm>
-            <a:off x="3284769" y="4029432"/>
-            <a:ext cx="3033018" cy="884898"/>
-          </a:xfrm>
-          <a:prstGeom prst="flowChartTerminator">
-            <a:avLst/>
-          </a:prstGeom>
-          <a:solidFill>
-            <a:srgbClr val="00FF00"/>
-          </a:solidFill>
-          <a:ln cap="flat" cmpd="sng" w="9525">
-            <a:solidFill>
-              <a:schemeClr val="dk2"/>
-            </a:solidFill>
-            <a:prstDash val="solid"/>
-            <a:round/>
-            <a:headEnd len="sm" w="sm" type="none"/>
-            <a:tailEnd len="sm" w="sm" type="none"/>
-          </a:ln>
-        </p:spPr>
-        <p:txBody>
-          <a:bodyPr anchorCtr="0" anchor="ctr" bIns="91425" lIns="91425" spcFirstLastPara="1" rIns="91425" wrap="square" tIns="91425">
-            <a:noAutofit/>
-          </a:bodyPr>
-          <a:lstStyle/>
-          <a:p>
-            <a:pPr indent="0" lvl="0" marL="0" rtl="0" algn="l">
-              <a:spcBef>
-                <a:spcPts val="0"/>
-              </a:spcBef>
-              <a:spcAft>
-                <a:spcPts val="0"/>
-              </a:spcAft>
-              <a:buNone/>
-            </a:pPr>
-            <a:r>
-              <a:rPr lang="en"/>
-              <a:t>	Recording DATA store </a:t>
-            </a:r>
-            <a:endParaRPr/>
-          </a:p>
-          <a:p>
-            <a:pPr indent="0" lvl="0" marL="0" rtl="0" algn="l">
-              <a:spcBef>
-                <a:spcPts val="0"/>
-              </a:spcBef>
-              <a:spcAft>
-                <a:spcPts val="0"/>
-              </a:spcAft>
-              <a:buNone/>
-            </a:pPr>
-            <a:r>
-              <a:rPr lang="en"/>
-              <a:t>         to  </a:t>
-            </a:r>
-            <a:r>
-              <a:rPr lang="en"/>
-              <a:t>microSD/SSD</a:t>
-            </a:r>
-            <a:endParaRPr sz="1100"/>
-          </a:p>
-        </p:txBody>
-      </p:sp>
+            <a:ln>
+              <a:noFill/>
+            </a:ln>
+          </p:spPr>
+        </p:pic>
+      </p:grpSp>
     </p:spTree>
   </p:cSld>
   <p:clrMapOvr>
@@ -7288,7 +7421,7 @@
   <p:cSld>
     <p:spTree>
       <p:nvGrpSpPr>
-        <p:cNvPr id="83" name="Shape 83"/>
+        <p:cNvPr id="87" name="Shape 87"/>
         <p:cNvGrpSpPr/>
         <p:nvPr/>
       </p:nvGrpSpPr>
@@ -7302,7 +7435,7 @@
       </p:grpSpPr>
       <p:sp>
         <p:nvSpPr>
-          <p:cNvPr id="84" name="Google Shape;84;p16"/>
+          <p:cNvPr id="88" name="Google Shape;88;p16"/>
           <p:cNvSpPr txBox="1"/>
           <p:nvPr>
             <p:ph type="title"/>
@@ -7350,7 +7483,7 @@
       </p:sp>
       <p:pic>
         <p:nvPicPr>
-          <p:cNvPr id="85" name="Google Shape;85;p16"/>
+          <p:cNvPr id="89" name="Google Shape;89;p16"/>
           <p:cNvPicPr preferRelativeResize="0"/>
           <p:nvPr/>
         </p:nvPicPr>
@@ -7378,7 +7511,7 @@
       </p:pic>
       <p:graphicFrame>
         <p:nvGraphicFramePr>
-          <p:cNvPr id="86" name="Google Shape;86;p16"/>
+          <p:cNvPr id="90" name="Google Shape;90;p16"/>
           <p:cNvGraphicFramePr/>
           <p:nvPr/>
         </p:nvGraphicFramePr>
@@ -7391,7 +7524,7 @@
             <a:tbl>
               <a:tblPr>
                 <a:noFill/>
-                <a:tableStyleId>{6CBE497A-71C4-439C-A327-7023CC6CAC0E}</a:tableStyleId>
+                <a:tableStyleId>{25ACCB4B-F3A8-4BB8-B9B0-80214B2C35FC}</a:tableStyleId>
               </a:tblPr>
               <a:tblGrid>
                 <a:gridCol w="3563025"/>
@@ -8384,7 +8517,7 @@
                             <a:schemeClr val="lt1"/>
                           </a:solidFill>
                         </a:rPr>
-                        <a:t>5 V 4 A Power Supply</a:t>
+                        <a:t>5V 4A Power Supply</a:t>
                       </a:r>
                       <a:endParaRPr sz="1100">
                         <a:solidFill>
@@ -8783,7 +8916,7 @@
       </p:graphicFrame>
       <p:sp>
         <p:nvSpPr>
-          <p:cNvPr id="87" name="Google Shape;87;p16"/>
+          <p:cNvPr id="91" name="Google Shape;91;p16"/>
           <p:cNvSpPr txBox="1"/>
           <p:nvPr/>
         </p:nvSpPr>
@@ -8848,7 +8981,7 @@
   <p:cSld>
     <p:spTree>
       <p:nvGrpSpPr>
-        <p:cNvPr id="91" name="Shape 91"/>
+        <p:cNvPr id="95" name="Shape 95"/>
         <p:cNvGrpSpPr/>
         <p:nvPr/>
       </p:nvGrpSpPr>
@@ -8862,7 +8995,7 @@
       </p:grpSpPr>
       <p:sp>
         <p:nvSpPr>
-          <p:cNvPr id="92" name="Google Shape;92;p17"/>
+          <p:cNvPr id="96" name="Google Shape;96;p17"/>
           <p:cNvSpPr txBox="1"/>
           <p:nvPr>
             <p:ph type="title"/>
@@ -8910,7 +9043,7 @@
       </p:sp>
       <p:sp>
         <p:nvSpPr>
-          <p:cNvPr id="93" name="Google Shape;93;p17"/>
+          <p:cNvPr id="97" name="Google Shape;97;p17"/>
           <p:cNvSpPr txBox="1"/>
           <p:nvPr>
             <p:ph idx="1" type="body"/>
@@ -9235,7 +9368,7 @@
       </p:sp>
       <p:sp>
         <p:nvSpPr>
-          <p:cNvPr id="94" name="Google Shape;94;p17"/>
+          <p:cNvPr id="98" name="Google Shape;98;p17"/>
           <p:cNvSpPr txBox="1"/>
           <p:nvPr>
             <p:ph idx="1" type="body"/>
@@ -9605,7 +9738,7 @@
   <p:cSld>
     <p:spTree>
       <p:nvGrpSpPr>
-        <p:cNvPr id="98" name="Shape 98"/>
+        <p:cNvPr id="102" name="Shape 102"/>
         <p:cNvGrpSpPr/>
         <p:nvPr/>
       </p:nvGrpSpPr>
@@ -9619,7 +9752,7 @@
       </p:grpSpPr>
       <p:sp>
         <p:nvSpPr>
-          <p:cNvPr id="99" name="Google Shape;99;p18"/>
+          <p:cNvPr id="103" name="Google Shape;103;p18"/>
           <p:cNvSpPr txBox="1"/>
           <p:nvPr>
             <p:ph type="title"/>
@@ -9674,6 +9807,285 @@
 </file>
 
 <file path=ppt/theme/theme1.xml><?xml version="1.0" encoding="utf-8"?>
+<a:theme xmlns:a="http://schemas.openxmlformats.org/drawingml/2006/main" xmlns:r="http://schemas.openxmlformats.org/officeDocument/2006/relationships" name="Simple Light">
+  <a:themeElements>
+    <a:clrScheme name="Simple Light">
+      <a:dk1>
+        <a:srgbClr val="000000"/>
+      </a:dk1>
+      <a:lt1>
+        <a:srgbClr val="FFFFFF"/>
+      </a:lt1>
+      <a:dk2>
+        <a:srgbClr val="595959"/>
+      </a:dk2>
+      <a:lt2>
+        <a:srgbClr val="EEEEEE"/>
+      </a:lt2>
+      <a:accent1>
+        <a:srgbClr val="4285F4"/>
+      </a:accent1>
+      <a:accent2>
+        <a:srgbClr val="212121"/>
+      </a:accent2>
+      <a:accent3>
+        <a:srgbClr val="78909C"/>
+      </a:accent3>
+      <a:accent4>
+        <a:srgbClr val="FFAB40"/>
+      </a:accent4>
+      <a:accent5>
+        <a:srgbClr val="0097A7"/>
+      </a:accent5>
+      <a:accent6>
+        <a:srgbClr val="EEFF41"/>
+      </a:accent6>
+      <a:hlink>
+        <a:srgbClr val="0097A7"/>
+      </a:hlink>
+      <a:folHlink>
+        <a:srgbClr val="0097A7"/>
+      </a:folHlink>
+    </a:clrScheme>
+    <a:fontScheme name="Office">
+      <a:majorFont>
+        <a:latin typeface="Arial"/>
+        <a:ea typeface=""/>
+        <a:cs typeface=""/>
+        <a:font script="Jpan" typeface="ＭＳ Ｐゴシック"/>
+        <a:font script="Hang" typeface="맑은 고딕"/>
+        <a:font script="Hans" typeface="宋体"/>
+        <a:font script="Hant" typeface="新細明體"/>
+        <a:font script="Arab" typeface="Times New Roman"/>
+        <a:font script="Hebr" typeface="Times New Roman"/>
+        <a:font script="Thai" typeface="Angsana New"/>
+        <a:font script="Ethi" typeface="Nyala"/>
+        <a:font script="Beng" typeface="Vrinda"/>
+        <a:font script="Gujr" typeface="Shruti"/>
+        <a:font script="Khmr" typeface="MoolBoran"/>
+        <a:font script="Knda" typeface="Tunga"/>
+        <a:font script="Guru" typeface="Raavi"/>
+        <a:font script="Cans" typeface="Euphemia"/>
+        <a:font script="Cher" typeface="Plantagenet Cherokee"/>
+        <a:font script="Yiii" typeface="Microsoft Yi Baiti"/>
+        <a:font script="Tibt" typeface="Microsoft Himalaya"/>
+        <a:font script="Thaa" typeface="MV Boli"/>
+        <a:font script="Deva" typeface="Mangal"/>
+        <a:font script="Telu" typeface="Gautami"/>
+        <a:font script="Taml" typeface="Latha"/>
+        <a:font script="Syrc" typeface="Estrangelo Edessa"/>
+        <a:font script="Orya" typeface="Kalinga"/>
+        <a:font script="Mlym" typeface="Kartika"/>
+        <a:font script="Laoo" typeface="DokChampa"/>
+        <a:font script="Sinh" typeface="Iskoola Pota"/>
+        <a:font script="Mong" typeface="Mongolian Baiti"/>
+        <a:font script="Viet" typeface="Times New Roman"/>
+        <a:font script="Uigh" typeface="Microsoft Uighur"/>
+        <a:font script="Geor" typeface="Sylfaen"/>
+      </a:majorFont>
+      <a:minorFont>
+        <a:latin typeface="Arial"/>
+        <a:ea typeface=""/>
+        <a:cs typeface=""/>
+        <a:font script="Jpan" typeface="ＭＳ Ｐゴシック"/>
+        <a:font script="Hang" typeface="맑은 고딕"/>
+        <a:font script="Hans" typeface="宋体"/>
+        <a:font script="Hant" typeface="新細明體"/>
+        <a:font script="Arab" typeface="Arial"/>
+        <a:font script="Hebr" typeface="Arial"/>
+        <a:font script="Thai" typeface="Cordia New"/>
+        <a:font script="Ethi" typeface="Nyala"/>
+        <a:font script="Beng" typeface="Vrinda"/>
+        <a:font script="Gujr" typeface="Shruti"/>
+        <a:font script="Khmr" typeface="DaunPenh"/>
+        <a:font script="Knda" typeface="Tunga"/>
+        <a:font script="Guru" typeface="Raavi"/>
+        <a:font script="Cans" typeface="Euphemia"/>
+        <a:font script="Cher" typeface="Plantagenet Cherokee"/>
+        <a:font script="Yiii" typeface="Microsoft Yi Baiti"/>
+        <a:font script="Tibt" typeface="Microsoft Himalaya"/>
+        <a:font script="Thaa" typeface="MV Boli"/>
+        <a:font script="Deva" typeface="Mangal"/>
+        <a:font script="Telu" typeface="Gautami"/>
+        <a:font script="Taml" typeface="Latha"/>
+        <a:font script="Syrc" typeface="Estrangelo Edessa"/>
+        <a:font script="Orya" typeface="Kalinga"/>
+        <a:font script="Mlym" typeface="Kartika"/>
+        <a:font script="Laoo" typeface="DokChampa"/>
+        <a:font script="Sinh" typeface="Iskoola Pota"/>
+        <a:font script="Mong" typeface="Mongolian Baiti"/>
+        <a:font script="Viet" typeface="Arial"/>
+        <a:font script="Uigh" typeface="Microsoft Uighur"/>
+        <a:font script="Geor" typeface="Sylfaen"/>
+      </a:minorFont>
+    </a:fontScheme>
+    <a:fmtScheme name="Office">
+      <a:fillStyleLst>
+        <a:solidFill>
+          <a:schemeClr val="phClr"/>
+        </a:solidFill>
+        <a:gradFill rotWithShape="1">
+          <a:gsLst>
+            <a:gs pos="0">
+              <a:schemeClr val="phClr">
+                <a:tint val="50000"/>
+                <a:satMod val="300000"/>
+              </a:schemeClr>
+            </a:gs>
+            <a:gs pos="35000">
+              <a:schemeClr val="phClr">
+                <a:tint val="37000"/>
+                <a:satMod val="300000"/>
+              </a:schemeClr>
+            </a:gs>
+            <a:gs pos="100000">
+              <a:schemeClr val="phClr">
+                <a:tint val="15000"/>
+                <a:satMod val="350000"/>
+              </a:schemeClr>
+            </a:gs>
+          </a:gsLst>
+          <a:lin ang="16200000" scaled="1"/>
+        </a:gradFill>
+        <a:gradFill rotWithShape="1">
+          <a:gsLst>
+            <a:gs pos="0">
+              <a:schemeClr val="phClr">
+                <a:tint val="100000"/>
+                <a:shade val="100000"/>
+                <a:satMod val="130000"/>
+              </a:schemeClr>
+            </a:gs>
+            <a:gs pos="100000">
+              <a:schemeClr val="phClr">
+                <a:tint val="50000"/>
+                <a:shade val="100000"/>
+                <a:satMod val="350000"/>
+              </a:schemeClr>
+            </a:gs>
+          </a:gsLst>
+          <a:lin ang="16200000" scaled="0"/>
+        </a:gradFill>
+      </a:fillStyleLst>
+      <a:lnStyleLst>
+        <a:ln w="9525" cap="flat" cmpd="sng" algn="ctr">
+          <a:solidFill>
+            <a:schemeClr val="phClr">
+              <a:shade val="95000"/>
+              <a:satMod val="105000"/>
+            </a:schemeClr>
+          </a:solidFill>
+          <a:prstDash val="solid"/>
+        </a:ln>
+        <a:ln w="25400" cap="flat" cmpd="sng" algn="ctr">
+          <a:solidFill>
+            <a:schemeClr val="phClr"/>
+          </a:solidFill>
+          <a:prstDash val="solid"/>
+        </a:ln>
+        <a:ln w="38100" cap="flat" cmpd="sng" algn="ctr">
+          <a:solidFill>
+            <a:schemeClr val="phClr"/>
+          </a:solidFill>
+          <a:prstDash val="solid"/>
+        </a:ln>
+      </a:lnStyleLst>
+      <a:effectStyleLst>
+        <a:effectStyle>
+          <a:effectLst>
+            <a:outerShdw blurRad="40000" dist="20000" dir="5400000" rotWithShape="0">
+              <a:srgbClr val="000000">
+                <a:alpha val="38000"/>
+              </a:srgbClr>
+            </a:outerShdw>
+          </a:effectLst>
+        </a:effectStyle>
+        <a:effectStyle>
+          <a:effectLst>
+            <a:outerShdw blurRad="40000" dist="23000" dir="5400000" rotWithShape="0">
+              <a:srgbClr val="000000">
+                <a:alpha val="35000"/>
+              </a:srgbClr>
+            </a:outerShdw>
+          </a:effectLst>
+        </a:effectStyle>
+        <a:effectStyle>
+          <a:effectLst>
+            <a:outerShdw blurRad="40000" dist="23000" dir="5400000" rotWithShape="0">
+              <a:srgbClr val="000000">
+                <a:alpha val="35000"/>
+              </a:srgbClr>
+            </a:outerShdw>
+          </a:effectLst>
+          <a:scene3d>
+            <a:camera prst="orthographicFront">
+              <a:rot lat="0" lon="0" rev="0"/>
+            </a:camera>
+            <a:lightRig rig="threePt" dir="t">
+              <a:rot lat="0" lon="0" rev="1200000"/>
+            </a:lightRig>
+          </a:scene3d>
+          <a:sp3d>
+            <a:bevelT w="63500" h="25400"/>
+          </a:sp3d>
+        </a:effectStyle>
+      </a:effectStyleLst>
+      <a:bgFillStyleLst>
+        <a:solidFill>
+          <a:schemeClr val="phClr"/>
+        </a:solidFill>
+        <a:gradFill rotWithShape="1">
+          <a:gsLst>
+            <a:gs pos="0">
+              <a:schemeClr val="phClr">
+                <a:tint val="40000"/>
+                <a:satMod val="350000"/>
+              </a:schemeClr>
+            </a:gs>
+            <a:gs pos="40000">
+              <a:schemeClr val="phClr">
+                <a:tint val="45000"/>
+                <a:shade val="99000"/>
+                <a:satMod val="350000"/>
+              </a:schemeClr>
+            </a:gs>
+            <a:gs pos="100000">
+              <a:schemeClr val="phClr">
+                <a:shade val="20000"/>
+                <a:satMod val="255000"/>
+              </a:schemeClr>
+            </a:gs>
+          </a:gsLst>
+          <a:path path="circle">
+            <a:fillToRect l="50000" t="-80000" r="50000" b="180000"/>
+          </a:path>
+        </a:gradFill>
+        <a:gradFill rotWithShape="1">
+          <a:gsLst>
+            <a:gs pos="0">
+              <a:schemeClr val="phClr">
+                <a:tint val="80000"/>
+                <a:satMod val="300000"/>
+              </a:schemeClr>
+            </a:gs>
+            <a:gs pos="100000">
+              <a:schemeClr val="phClr">
+                <a:shade val="30000"/>
+                <a:satMod val="200000"/>
+              </a:schemeClr>
+            </a:gs>
+          </a:gsLst>
+          <a:path path="circle">
+            <a:fillToRect l="50000" t="50000" r="50000" b="50000"/>
+          </a:path>
+        </a:gradFill>
+      </a:bgFillStyleLst>
+    </a:fmtScheme>
+  </a:themeElements>
+</a:theme>
+</file>
+
+<file path=ppt/theme/theme2.xml><?xml version="1.0" encoding="utf-8"?>
 <a:theme xmlns:a="http://schemas.openxmlformats.org/drawingml/2006/main" xmlns:r="http://schemas.openxmlformats.org/officeDocument/2006/relationships">
   <a:themeElements>
     <a:clrScheme name="Default">
@@ -9950,283 +10362,4 @@
     </a:fmtScheme>
   </a:themeElements>
 </a:theme>
-</file>
-
-<file path=ppt/theme/theme2.xml><?xml version="1.0" encoding="utf-8"?>
-<a:theme xmlns:a="http://schemas.openxmlformats.org/drawingml/2006/main" xmlns:r="http://schemas.openxmlformats.org/officeDocument/2006/relationships" name="Simple Light">
-  <a:themeElements>
-    <a:clrScheme name="Simple Light">
-      <a:dk1>
-        <a:srgbClr val="000000"/>
-      </a:dk1>
-      <a:lt1>
-        <a:srgbClr val="FFFFFF"/>
-      </a:lt1>
-      <a:dk2>
-        <a:srgbClr val="595959"/>
-      </a:dk2>
-      <a:lt2>
-        <a:srgbClr val="EEEEEE"/>
-      </a:lt2>
-      <a:accent1>
-        <a:srgbClr val="4285F4"/>
-      </a:accent1>
-      <a:accent2>
-        <a:srgbClr val="212121"/>
-      </a:accent2>
-      <a:accent3>
-        <a:srgbClr val="78909C"/>
-      </a:accent3>
-      <a:accent4>
-        <a:srgbClr val="FFAB40"/>
-      </a:accent4>
-      <a:accent5>
-        <a:srgbClr val="0097A7"/>
-      </a:accent5>
-      <a:accent6>
-        <a:srgbClr val="EEFF41"/>
-      </a:accent6>
-      <a:hlink>
-        <a:srgbClr val="0097A7"/>
-      </a:hlink>
-      <a:folHlink>
-        <a:srgbClr val="0097A7"/>
-      </a:folHlink>
-    </a:clrScheme>
-    <a:fontScheme name="Office">
-      <a:majorFont>
-        <a:latin typeface="Arial"/>
-        <a:ea typeface=""/>
-        <a:cs typeface=""/>
-        <a:font script="Jpan" typeface="ＭＳ Ｐゴシック"/>
-        <a:font script="Hang" typeface="맑은 고딕"/>
-        <a:font script="Hans" typeface="宋体"/>
-        <a:font script="Hant" typeface="新細明體"/>
-        <a:font script="Arab" typeface="Times New Roman"/>
-        <a:font script="Hebr" typeface="Times New Roman"/>
-        <a:font script="Thai" typeface="Angsana New"/>
-        <a:font script="Ethi" typeface="Nyala"/>
-        <a:font script="Beng" typeface="Vrinda"/>
-        <a:font script="Gujr" typeface="Shruti"/>
-        <a:font script="Khmr" typeface="MoolBoran"/>
-        <a:font script="Knda" typeface="Tunga"/>
-        <a:font script="Guru" typeface="Raavi"/>
-        <a:font script="Cans" typeface="Euphemia"/>
-        <a:font script="Cher" typeface="Plantagenet Cherokee"/>
-        <a:font script="Yiii" typeface="Microsoft Yi Baiti"/>
-        <a:font script="Tibt" typeface="Microsoft Himalaya"/>
-        <a:font script="Thaa" typeface="MV Boli"/>
-        <a:font script="Deva" typeface="Mangal"/>
-        <a:font script="Telu" typeface="Gautami"/>
-        <a:font script="Taml" typeface="Latha"/>
-        <a:font script="Syrc" typeface="Estrangelo Edessa"/>
-        <a:font script="Orya" typeface="Kalinga"/>
-        <a:font script="Mlym" typeface="Kartika"/>
-        <a:font script="Laoo" typeface="DokChampa"/>
-        <a:font script="Sinh" typeface="Iskoola Pota"/>
-        <a:font script="Mong" typeface="Mongolian Baiti"/>
-        <a:font script="Viet" typeface="Times New Roman"/>
-        <a:font script="Uigh" typeface="Microsoft Uighur"/>
-        <a:font script="Geor" typeface="Sylfaen"/>
-      </a:majorFont>
-      <a:minorFont>
-        <a:latin typeface="Arial"/>
-        <a:ea typeface=""/>
-        <a:cs typeface=""/>
-        <a:font script="Jpan" typeface="ＭＳ Ｐゴシック"/>
-        <a:font script="Hang" typeface="맑은 고딕"/>
-        <a:font script="Hans" typeface="宋体"/>
-        <a:font script="Hant" typeface="新細明體"/>
-        <a:font script="Arab" typeface="Arial"/>
-        <a:font script="Hebr" typeface="Arial"/>
-        <a:font script="Thai" typeface="Cordia New"/>
-        <a:font script="Ethi" typeface="Nyala"/>
-        <a:font script="Beng" typeface="Vrinda"/>
-        <a:font script="Gujr" typeface="Shruti"/>
-        <a:font script="Khmr" typeface="DaunPenh"/>
-        <a:font script="Knda" typeface="Tunga"/>
-        <a:font script="Guru" typeface="Raavi"/>
-        <a:font script="Cans" typeface="Euphemia"/>
-        <a:font script="Cher" typeface="Plantagenet Cherokee"/>
-        <a:font script="Yiii" typeface="Microsoft Yi Baiti"/>
-        <a:font script="Tibt" typeface="Microsoft Himalaya"/>
-        <a:font script="Thaa" typeface="MV Boli"/>
-        <a:font script="Deva" typeface="Mangal"/>
-        <a:font script="Telu" typeface="Gautami"/>
-        <a:font script="Taml" typeface="Latha"/>
-        <a:font script="Syrc" typeface="Estrangelo Edessa"/>
-        <a:font script="Orya" typeface="Kalinga"/>
-        <a:font script="Mlym" typeface="Kartika"/>
-        <a:font script="Laoo" typeface="DokChampa"/>
-        <a:font script="Sinh" typeface="Iskoola Pota"/>
-        <a:font script="Mong" typeface="Mongolian Baiti"/>
-        <a:font script="Viet" typeface="Arial"/>
-        <a:font script="Uigh" typeface="Microsoft Uighur"/>
-        <a:font script="Geor" typeface="Sylfaen"/>
-      </a:minorFont>
-    </a:fontScheme>
-    <a:fmtScheme name="Office">
-      <a:fillStyleLst>
-        <a:solidFill>
-          <a:schemeClr val="phClr"/>
-        </a:solidFill>
-        <a:gradFill rotWithShape="1">
-          <a:gsLst>
-            <a:gs pos="0">
-              <a:schemeClr val="phClr">
-                <a:tint val="50000"/>
-                <a:satMod val="300000"/>
-              </a:schemeClr>
-            </a:gs>
-            <a:gs pos="35000">
-              <a:schemeClr val="phClr">
-                <a:tint val="37000"/>
-                <a:satMod val="300000"/>
-              </a:schemeClr>
-            </a:gs>
-            <a:gs pos="100000">
-              <a:schemeClr val="phClr">
-                <a:tint val="15000"/>
-                <a:satMod val="350000"/>
-              </a:schemeClr>
-            </a:gs>
-          </a:gsLst>
-          <a:lin ang="16200000" scaled="1"/>
-        </a:gradFill>
-        <a:gradFill rotWithShape="1">
-          <a:gsLst>
-            <a:gs pos="0">
-              <a:schemeClr val="phClr">
-                <a:tint val="100000"/>
-                <a:shade val="100000"/>
-                <a:satMod val="130000"/>
-              </a:schemeClr>
-            </a:gs>
-            <a:gs pos="100000">
-              <a:schemeClr val="phClr">
-                <a:tint val="50000"/>
-                <a:shade val="100000"/>
-                <a:satMod val="350000"/>
-              </a:schemeClr>
-            </a:gs>
-          </a:gsLst>
-          <a:lin ang="16200000" scaled="0"/>
-        </a:gradFill>
-      </a:fillStyleLst>
-      <a:lnStyleLst>
-        <a:ln w="9525" cap="flat" cmpd="sng" algn="ctr">
-          <a:solidFill>
-            <a:schemeClr val="phClr">
-              <a:shade val="95000"/>
-              <a:satMod val="105000"/>
-            </a:schemeClr>
-          </a:solidFill>
-          <a:prstDash val="solid"/>
-        </a:ln>
-        <a:ln w="25400" cap="flat" cmpd="sng" algn="ctr">
-          <a:solidFill>
-            <a:schemeClr val="phClr"/>
-          </a:solidFill>
-          <a:prstDash val="solid"/>
-        </a:ln>
-        <a:ln w="38100" cap="flat" cmpd="sng" algn="ctr">
-          <a:solidFill>
-            <a:schemeClr val="phClr"/>
-          </a:solidFill>
-          <a:prstDash val="solid"/>
-        </a:ln>
-      </a:lnStyleLst>
-      <a:effectStyleLst>
-        <a:effectStyle>
-          <a:effectLst>
-            <a:outerShdw blurRad="40000" dist="20000" dir="5400000" rotWithShape="0">
-              <a:srgbClr val="000000">
-                <a:alpha val="38000"/>
-              </a:srgbClr>
-            </a:outerShdw>
-          </a:effectLst>
-        </a:effectStyle>
-        <a:effectStyle>
-          <a:effectLst>
-            <a:outerShdw blurRad="40000" dist="23000" dir="5400000" rotWithShape="0">
-              <a:srgbClr val="000000">
-                <a:alpha val="35000"/>
-              </a:srgbClr>
-            </a:outerShdw>
-          </a:effectLst>
-        </a:effectStyle>
-        <a:effectStyle>
-          <a:effectLst>
-            <a:outerShdw blurRad="40000" dist="23000" dir="5400000" rotWithShape="0">
-              <a:srgbClr val="000000">
-                <a:alpha val="35000"/>
-              </a:srgbClr>
-            </a:outerShdw>
-          </a:effectLst>
-          <a:scene3d>
-            <a:camera prst="orthographicFront">
-              <a:rot lat="0" lon="0" rev="0"/>
-            </a:camera>
-            <a:lightRig rig="threePt" dir="t">
-              <a:rot lat="0" lon="0" rev="1200000"/>
-            </a:lightRig>
-          </a:scene3d>
-          <a:sp3d>
-            <a:bevelT w="63500" h="25400"/>
-          </a:sp3d>
-        </a:effectStyle>
-      </a:effectStyleLst>
-      <a:bgFillStyleLst>
-        <a:solidFill>
-          <a:schemeClr val="phClr"/>
-        </a:solidFill>
-        <a:gradFill rotWithShape="1">
-          <a:gsLst>
-            <a:gs pos="0">
-              <a:schemeClr val="phClr">
-                <a:tint val="40000"/>
-                <a:satMod val="350000"/>
-              </a:schemeClr>
-            </a:gs>
-            <a:gs pos="40000">
-              <a:schemeClr val="phClr">
-                <a:tint val="45000"/>
-                <a:shade val="99000"/>
-                <a:satMod val="350000"/>
-              </a:schemeClr>
-            </a:gs>
-            <a:gs pos="100000">
-              <a:schemeClr val="phClr">
-                <a:shade val="20000"/>
-                <a:satMod val="255000"/>
-              </a:schemeClr>
-            </a:gs>
-          </a:gsLst>
-          <a:path path="circle">
-            <a:fillToRect l="50000" t="-80000" r="50000" b="180000"/>
-          </a:path>
-        </a:gradFill>
-        <a:gradFill rotWithShape="1">
-          <a:gsLst>
-            <a:gs pos="0">
-              <a:schemeClr val="phClr">
-                <a:tint val="80000"/>
-                <a:satMod val="300000"/>
-              </a:schemeClr>
-            </a:gs>
-            <a:gs pos="100000">
-              <a:schemeClr val="phClr">
-                <a:shade val="30000"/>
-                <a:satMod val="200000"/>
-              </a:schemeClr>
-            </a:gs>
-          </a:gsLst>
-          <a:path path="circle">
-            <a:fillToRect l="50000" t="50000" r="50000" b="50000"/>
-          </a:path>
-        </a:gradFill>
-      </a:bgFillStyleLst>
-    </a:fmtScheme>
-  </a:themeElements>
-</a:theme>
 </file>